--- a/初始化组件&自动配置路由.pptx
+++ b/初始化组件&自动配置路由.pptx
@@ -14125,7 +14125,7 @@
         </p:nvGraphicFramePr>
         <p:xfrm>
           <a:off x="1828800" y="4114800"/>
-          <a:ext cx="8534400" cy="1524000"/>
+          <a:ext cx="8534400" cy="1905000"/>
         </p:xfrm>
         <a:graphic>
           <a:graphicData uri="http://schemas.openxmlformats.org/drawingml/2006/table">
@@ -14183,6 +14183,56 @@
                         <a:t>默认值</a:t>
                       </a:r>
                       <a:endParaRPr lang="zh-CN" altLang="en-US"/>
+                    </a:p>
+                  </a:txBody>
+                  <a:tcPr/>
+                </a:tc>
+              </a:tr>
+              <a:tr h="381000">
+                <a:tc>
+                  <a:txBody>
+                    <a:bodyPr/>
+                    <a:p>
+                      <a:pPr>
+                        <a:buNone/>
+                      </a:pPr>
+                      <a:r>
+                        <a:rPr lang="en-US" altLang="zh-CN" sz="1400"/>
+                        <a:t>-t , --ts</a:t>
+                      </a:r>
+                      <a:endParaRPr lang="en-US" altLang="zh-CN" sz="1400"/>
+                    </a:p>
+                  </a:txBody>
+                  <a:tcPr/>
+                </a:tc>
+                <a:tc>
+                  <a:txBody>
+                    <a:bodyPr/>
+                    <a:p>
+                      <a:pPr>
+                        <a:buNone/>
+                      </a:pPr>
+                      <a:r>
+                        <a:rPr lang="zh-CN" altLang="en-US" sz="1400"/>
+                        <a:t>是否使用TS (y/n)</a:t>
+                      </a:r>
+                      <a:endParaRPr lang="zh-CN" altLang="en-US" sz="1400"/>
+                    </a:p>
+                  </a:txBody>
+                  <a:tcPr/>
+                </a:tc>
+                <a:tc>
+                  <a:txBody>
+                    <a:bodyPr/>
+                    <a:p>
+                      <a:pPr>
+                        <a:buNone/>
+                      </a:pPr>
+                      <a:r>
+                        <a:rPr lang="en-US" altLang="zh-CN" sz="1400"/>
+                        <a:t>n</a:t>
+                      </a:r>
+                      <a:endParaRPr lang="en-US" altLang="zh-CN" sz="1400"/>
                     </a:p>
                   </a:txBody>
                   <a:tcPr/>
@@ -14326,11 +14376,7 @@
                       </a:pPr>
                       <a:r>
                         <a:rPr lang="zh-CN" altLang="en-US" sz="1400"/>
-                        <a:t>自定义布局</a:t>
-                      </a:r>
-                      <a:r>
-                        <a:rPr lang="zh-CN" altLang="en-US" sz="1400"/>
-                        <a:t>（配置路由使用）</a:t>
+                        <a:t>自定义布局（配置路由使用）</a:t>
                       </a:r>
                       <a:endParaRPr lang="zh-CN" altLang="en-US" sz="1400"/>
                     </a:p>
@@ -16586,20 +16632,7 @@
                 <a:latin typeface="幼圆" panose="02010509060101010101" pitchFamily="49" charset="-122"/>
                 <a:ea typeface="幼圆" panose="02010509060101010101" pitchFamily="49" charset="-122"/>
               </a:rPr>
-              <a:t>Node</a:t>
-            </a:r>
-            <a:r>
-              <a:rPr lang="en-US" altLang="zh-CN" sz="1600" dirty="0">
-                <a:solidFill>
-                  <a:srgbClr val="000000">
-                    <a:lumMod val="65000"/>
-                    <a:lumOff val="35000"/>
-                  </a:srgbClr>
-                </a:solidFill>
-                <a:latin typeface="幼圆" panose="02010509060101010101" pitchFamily="49" charset="-122"/>
-                <a:ea typeface="幼圆" panose="02010509060101010101" pitchFamily="49" charset="-122"/>
-              </a:rPr>
-              <a:t> Path </a:t>
+              <a:t>Node Path </a:t>
             </a:r>
             <a:r>
               <a:rPr lang="zh-CN" altLang="en-US" sz="1600" dirty="0">
